--- a/talks/unix.pptx
+++ b/talks/unix.pptx
@@ -26,6 +26,8 @@
     <p:sldId id="273" r:id="rId20"/>
     <p:sldId id="274" r:id="rId21"/>
     <p:sldId id="275" r:id="rId22"/>
+    <p:sldId id="277" r:id="rId23"/>
+    <p:sldId id="278" r:id="rId24"/>
   </p:sldIdLst>
   <p:sldSz cx="9144000" cy="6858000" type="screen4x3"/>
   <p:notesSz cx="6858000" cy="9144000"/>
@@ -308,7 +310,7 @@
           <a:p>
             <a:fld id="{816B95E8-F451-BF4E-B25E-B44D70826B8A}" type="datetimeFigureOut">
               <a:rPr lang="en-US" smtClean="0"/>
-              <a:t>7/27/18</a:t>
+              <a:t>7/30/18</a:t>
             </a:fld>
             <a:endParaRPr lang="en-US"/>
           </a:p>
@@ -478,7 +480,7 @@
           <a:p>
             <a:fld id="{816B95E8-F451-BF4E-B25E-B44D70826B8A}" type="datetimeFigureOut">
               <a:rPr lang="en-US" smtClean="0"/>
-              <a:t>7/27/18</a:t>
+              <a:t>7/30/18</a:t>
             </a:fld>
             <a:endParaRPr lang="en-US"/>
           </a:p>
@@ -658,7 +660,7 @@
           <a:p>
             <a:fld id="{816B95E8-F451-BF4E-B25E-B44D70826B8A}" type="datetimeFigureOut">
               <a:rPr lang="en-US" smtClean="0"/>
-              <a:t>7/27/18</a:t>
+              <a:t>7/30/18</a:t>
             </a:fld>
             <a:endParaRPr lang="en-US"/>
           </a:p>
@@ -828,7 +830,7 @@
           <a:p>
             <a:fld id="{816B95E8-F451-BF4E-B25E-B44D70826B8A}" type="datetimeFigureOut">
               <a:rPr lang="en-US" smtClean="0"/>
-              <a:t>7/27/18</a:t>
+              <a:t>7/30/18</a:t>
             </a:fld>
             <a:endParaRPr lang="en-US"/>
           </a:p>
@@ -1074,7 +1076,7 @@
           <a:p>
             <a:fld id="{816B95E8-F451-BF4E-B25E-B44D70826B8A}" type="datetimeFigureOut">
               <a:rPr lang="en-US" smtClean="0"/>
-              <a:t>7/27/18</a:t>
+              <a:t>7/30/18</a:t>
             </a:fld>
             <a:endParaRPr lang="en-US"/>
           </a:p>
@@ -1362,7 +1364,7 @@
           <a:p>
             <a:fld id="{816B95E8-F451-BF4E-B25E-B44D70826B8A}" type="datetimeFigureOut">
               <a:rPr lang="en-US" smtClean="0"/>
-              <a:t>7/27/18</a:t>
+              <a:t>7/30/18</a:t>
             </a:fld>
             <a:endParaRPr lang="en-US"/>
           </a:p>
@@ -1784,7 +1786,7 @@
           <a:p>
             <a:fld id="{816B95E8-F451-BF4E-B25E-B44D70826B8A}" type="datetimeFigureOut">
               <a:rPr lang="en-US" smtClean="0"/>
-              <a:t>7/27/18</a:t>
+              <a:t>7/30/18</a:t>
             </a:fld>
             <a:endParaRPr lang="en-US"/>
           </a:p>
@@ -1902,7 +1904,7 @@
           <a:p>
             <a:fld id="{816B95E8-F451-BF4E-B25E-B44D70826B8A}" type="datetimeFigureOut">
               <a:rPr lang="en-US" smtClean="0"/>
-              <a:t>7/27/18</a:t>
+              <a:t>7/30/18</a:t>
             </a:fld>
             <a:endParaRPr lang="en-US"/>
           </a:p>
@@ -1997,7 +1999,7 @@
           <a:p>
             <a:fld id="{816B95E8-F451-BF4E-B25E-B44D70826B8A}" type="datetimeFigureOut">
               <a:rPr lang="en-US" smtClean="0"/>
-              <a:t>7/27/18</a:t>
+              <a:t>7/30/18</a:t>
             </a:fld>
             <a:endParaRPr lang="en-US"/>
           </a:p>
@@ -2274,7 +2276,7 @@
           <a:p>
             <a:fld id="{816B95E8-F451-BF4E-B25E-B44D70826B8A}" type="datetimeFigureOut">
               <a:rPr lang="en-US" smtClean="0"/>
-              <a:t>7/27/18</a:t>
+              <a:t>7/30/18</a:t>
             </a:fld>
             <a:endParaRPr lang="en-US"/>
           </a:p>
@@ -2527,7 +2529,7 @@
           <a:p>
             <a:fld id="{816B95E8-F451-BF4E-B25E-B44D70826B8A}" type="datetimeFigureOut">
               <a:rPr lang="en-US" smtClean="0"/>
-              <a:t>7/27/18</a:t>
+              <a:t>7/30/18</a:t>
             </a:fld>
             <a:endParaRPr lang="en-US"/>
           </a:p>
@@ -2740,7 +2742,7 @@
           <a:p>
             <a:fld id="{816B95E8-F451-BF4E-B25E-B44D70826B8A}" type="datetimeFigureOut">
               <a:rPr lang="en-US" smtClean="0"/>
-              <a:t>7/27/18</a:t>
+              <a:t>7/30/18</a:t>
             </a:fld>
             <a:endParaRPr lang="en-US"/>
           </a:p>
@@ -5666,6 +5668,418 @@
     <p:extLst>
       <p:ext uri="{BB962C8B-B14F-4D97-AF65-F5344CB8AC3E}">
         <p14:creationId xmlns:p14="http://schemas.microsoft.com/office/powerpoint/2010/main" val="1705448490"/>
+      </p:ext>
+    </p:extLst>
+  </p:cSld>
+  <p:clrMapOvr>
+    <a:masterClrMapping/>
+  </p:clrMapOvr>
+</p:sld>
+</file>
+
+<file path=ppt/slides/slide22.xml><?xml version="1.0" encoding="utf-8"?>
+<p:sld xmlns:a="http://schemas.openxmlformats.org/drawingml/2006/main" xmlns:r="http://schemas.openxmlformats.org/officeDocument/2006/relationships" xmlns:p="http://schemas.openxmlformats.org/presentationml/2006/main">
+  <p:cSld>
+    <p:spTree>
+      <p:nvGrpSpPr>
+        <p:cNvPr id="1" name=""/>
+        <p:cNvGrpSpPr/>
+        <p:nvPr/>
+      </p:nvGrpSpPr>
+      <p:grpSpPr>
+        <a:xfrm>
+          <a:off x="0" y="0"/>
+          <a:ext cx="0" cy="0"/>
+          <a:chOff x="0" y="0"/>
+          <a:chExt cx="0" cy="0"/>
+        </a:xfrm>
+      </p:grpSpPr>
+      <p:sp>
+        <p:nvSpPr>
+          <p:cNvPr id="2" name="Title 1"/>
+          <p:cNvSpPr>
+            <a:spLocks noGrp="1"/>
+          </p:cNvSpPr>
+          <p:nvPr>
+            <p:ph type="title"/>
+          </p:nvPr>
+        </p:nvSpPr>
+        <p:spPr/>
+        <p:txBody>
+          <a:bodyPr/>
+          <a:lstStyle/>
+          <a:p>
+            <a:r>
+              <a:rPr lang="en-US" dirty="0" smtClean="0"/>
+              <a:t>Bash Script</a:t>
+            </a:r>
+            <a:endParaRPr lang="en-US" dirty="0"/>
+          </a:p>
+        </p:txBody>
+      </p:sp>
+      <p:sp>
+        <p:nvSpPr>
+          <p:cNvPr id="3" name="Content Placeholder 2"/>
+          <p:cNvSpPr>
+            <a:spLocks noGrp="1"/>
+          </p:cNvSpPr>
+          <p:nvPr>
+            <p:ph idx="1"/>
+          </p:nvPr>
+        </p:nvSpPr>
+        <p:spPr/>
+        <p:txBody>
+          <a:bodyPr>
+            <a:normAutofit fontScale="92500" lnSpcReduction="10000"/>
+          </a:bodyPr>
+          <a:lstStyle/>
+          <a:p>
+            <a:pPr marL="0" indent="0">
+              <a:buNone/>
+            </a:pPr>
+            <a:r>
+              <a:rPr lang="en-US" dirty="0" smtClean="0"/>
+              <a:t>All the commands you know now can be saved in a file and run as a script!</a:t>
+            </a:r>
+          </a:p>
+          <a:p>
+            <a:pPr marL="0" indent="0">
+              <a:buNone/>
+            </a:pPr>
+            <a:endParaRPr lang="en-US" dirty="0"/>
+          </a:p>
+          <a:p>
+            <a:pPr marL="0" indent="0">
+              <a:buNone/>
+            </a:pPr>
+            <a:r>
+              <a:rPr lang="en-US" dirty="0" smtClean="0"/>
+              <a:t>Start the </a:t>
+            </a:r>
+            <a:r>
+              <a:rPr lang="en-US" dirty="0"/>
+              <a:t>file with </a:t>
+            </a:r>
+            <a:r>
+              <a:rPr lang="en-US" dirty="0">
+                <a:latin typeface="Century"/>
+                <a:cs typeface="Century"/>
+              </a:rPr>
+              <a:t>`#!/</a:t>
+            </a:r>
+            <a:r>
+              <a:rPr lang="en-US" dirty="0" err="1">
+                <a:latin typeface="Century"/>
+                <a:cs typeface="Century"/>
+              </a:rPr>
+              <a:t>usr</a:t>
+            </a:r>
+            <a:r>
+              <a:rPr lang="en-US" dirty="0">
+                <a:latin typeface="Century"/>
+                <a:cs typeface="Century"/>
+              </a:rPr>
+              <a:t>/bin/</a:t>
+            </a:r>
+            <a:r>
+              <a:rPr lang="en-US" dirty="0" err="1">
+                <a:latin typeface="Century"/>
+                <a:cs typeface="Century"/>
+              </a:rPr>
+              <a:t>env</a:t>
+            </a:r>
+            <a:r>
+              <a:rPr lang="en-US" dirty="0">
+                <a:latin typeface="Century"/>
+                <a:cs typeface="Century"/>
+              </a:rPr>
+              <a:t> bash</a:t>
+            </a:r>
+            <a:r>
+              <a:rPr lang="en-US" dirty="0" smtClean="0">
+                <a:latin typeface="Century"/>
+                <a:cs typeface="Century"/>
+              </a:rPr>
+              <a:t>`</a:t>
+            </a:r>
+            <a:r>
+              <a:rPr lang="en-US" dirty="0" smtClean="0">
+                <a:cs typeface="Century"/>
+              </a:rPr>
+              <a:t>, then run it with the </a:t>
+            </a:r>
+            <a:r>
+              <a:rPr lang="en-US" dirty="0" smtClean="0">
+                <a:latin typeface="Century"/>
+                <a:cs typeface="Century"/>
+              </a:rPr>
+              <a:t>`./&lt;filename&gt;`</a:t>
+            </a:r>
+            <a:r>
+              <a:rPr lang="en-US" dirty="0" smtClean="0">
+                <a:cs typeface="Century"/>
+              </a:rPr>
+              <a:t> format</a:t>
+            </a:r>
+            <a:endParaRPr lang="en-US" dirty="0" smtClean="0">
+              <a:latin typeface="Century"/>
+              <a:cs typeface="Century"/>
+            </a:endParaRPr>
+          </a:p>
+          <a:p>
+            <a:pPr marL="0" indent="0">
+              <a:buNone/>
+            </a:pPr>
+            <a:endParaRPr lang="en-US" dirty="0">
+              <a:latin typeface="Century"/>
+              <a:cs typeface="Century"/>
+            </a:endParaRPr>
+          </a:p>
+          <a:p>
+            <a:pPr marL="0" indent="0">
+              <a:buNone/>
+            </a:pPr>
+            <a:r>
+              <a:rPr lang="en-US" dirty="0" smtClean="0">
+                <a:cs typeface="Century"/>
+              </a:rPr>
+              <a:t>Can do a lot more in bash scripts, like loops and user variables</a:t>
+            </a:r>
+          </a:p>
+          <a:p>
+            <a:pPr marL="0" indent="0">
+              <a:buNone/>
+            </a:pPr>
+            <a:r>
+              <a:rPr lang="en-US" dirty="0" smtClean="0">
+                <a:cs typeface="Century"/>
+              </a:rPr>
+              <a:t>Good short summary</a:t>
+            </a:r>
+            <a:r>
+              <a:rPr lang="en-US" dirty="0">
+                <a:cs typeface="Century"/>
+              </a:rPr>
+              <a:t>: </a:t>
+            </a:r>
+            <a:r>
+              <a:rPr lang="en-US" dirty="0">
+                <a:cs typeface="Century"/>
+                <a:hlinkClick r:id="rId2"/>
+              </a:rPr>
+              <a:t>https://devhints.io/</a:t>
+            </a:r>
+            <a:r>
+              <a:rPr lang="en-US" dirty="0" smtClean="0">
+                <a:cs typeface="Century"/>
+                <a:hlinkClick r:id="rId2"/>
+              </a:rPr>
+              <a:t>bash</a:t>
+            </a:r>
+            <a:endParaRPr lang="en-US" dirty="0" smtClean="0">
+              <a:cs typeface="Century"/>
+            </a:endParaRPr>
+          </a:p>
+          <a:p>
+            <a:pPr marL="0" indent="0">
+              <a:buNone/>
+            </a:pPr>
+            <a:endParaRPr lang="en-US" dirty="0">
+              <a:cs typeface="Century"/>
+            </a:endParaRPr>
+          </a:p>
+        </p:txBody>
+      </p:sp>
+    </p:spTree>
+    <p:extLst>
+      <p:ext uri="{BB962C8B-B14F-4D97-AF65-F5344CB8AC3E}">
+        <p14:creationId xmlns:p14="http://schemas.microsoft.com/office/powerpoint/2010/main" val="205835387"/>
+      </p:ext>
+    </p:extLst>
+  </p:cSld>
+  <p:clrMapOvr>
+    <a:masterClrMapping/>
+  </p:clrMapOvr>
+</p:sld>
+</file>
+
+<file path=ppt/slides/slide23.xml><?xml version="1.0" encoding="utf-8"?>
+<p:sld xmlns:a="http://schemas.openxmlformats.org/drawingml/2006/main" xmlns:r="http://schemas.openxmlformats.org/officeDocument/2006/relationships" xmlns:p="http://schemas.openxmlformats.org/presentationml/2006/main">
+  <p:cSld>
+    <p:spTree>
+      <p:nvGrpSpPr>
+        <p:cNvPr id="1" name=""/>
+        <p:cNvGrpSpPr/>
+        <p:nvPr/>
+      </p:nvGrpSpPr>
+      <p:grpSpPr>
+        <a:xfrm>
+          <a:off x="0" y="0"/>
+          <a:ext cx="0" cy="0"/>
+          <a:chOff x="0" y="0"/>
+          <a:chExt cx="0" cy="0"/>
+        </a:xfrm>
+      </p:grpSpPr>
+      <p:sp>
+        <p:nvSpPr>
+          <p:cNvPr id="2" name="Title 1"/>
+          <p:cNvSpPr>
+            <a:spLocks noGrp="1"/>
+          </p:cNvSpPr>
+          <p:nvPr>
+            <p:ph type="title"/>
+          </p:nvPr>
+        </p:nvSpPr>
+        <p:spPr/>
+        <p:txBody>
+          <a:bodyPr/>
+          <a:lstStyle/>
+          <a:p>
+            <a:r>
+              <a:rPr lang="en-US" dirty="0" smtClean="0"/>
+              <a:t>And More</a:t>
+            </a:r>
+            <a:endParaRPr lang="en-US" dirty="0"/>
+          </a:p>
+        </p:txBody>
+      </p:sp>
+      <p:sp>
+        <p:nvSpPr>
+          <p:cNvPr id="3" name="Content Placeholder 2"/>
+          <p:cNvSpPr>
+            <a:spLocks noGrp="1"/>
+          </p:cNvSpPr>
+          <p:nvPr>
+            <p:ph idx="1"/>
+          </p:nvPr>
+        </p:nvSpPr>
+        <p:spPr/>
+        <p:txBody>
+          <a:bodyPr>
+            <a:normAutofit fontScale="77500" lnSpcReduction="20000"/>
+          </a:bodyPr>
+          <a:lstStyle/>
+          <a:p>
+            <a:pPr marL="0" indent="0">
+              <a:buNone/>
+            </a:pPr>
+            <a:r>
+              <a:rPr lang="en-US" dirty="0" smtClean="0"/>
+              <a:t>I only scratched the surface of what Unix can do.</a:t>
+            </a:r>
+          </a:p>
+          <a:p>
+            <a:pPr marL="0" indent="0">
+              <a:buNone/>
+            </a:pPr>
+            <a:endParaRPr lang="en-US" dirty="0"/>
+          </a:p>
+          <a:p>
+            <a:pPr marL="0" indent="0">
+              <a:buNone/>
+            </a:pPr>
+            <a:r>
+              <a:rPr lang="en-US" dirty="0"/>
+              <a:t>Cheat Sheet: </a:t>
+            </a:r>
+            <a:r>
+              <a:rPr lang="en-US" dirty="0">
+                <a:hlinkClick r:id="rId2"/>
+              </a:rPr>
+              <a:t>http://cheatsheetworld.com/programming/unix-linux-cheat-sheet</a:t>
+            </a:r>
+            <a:r>
+              <a:rPr lang="en-US" dirty="0" smtClean="0">
+                <a:hlinkClick r:id="rId2"/>
+              </a:rPr>
+              <a:t>/</a:t>
+            </a:r>
+            <a:endParaRPr lang="en-US" dirty="0" smtClean="0"/>
+          </a:p>
+          <a:p>
+            <a:pPr marL="0" indent="0">
+              <a:buNone/>
+            </a:pPr>
+            <a:endParaRPr lang="en-US" dirty="0"/>
+          </a:p>
+          <a:p>
+            <a:pPr marL="0" indent="0">
+              <a:buNone/>
+            </a:pPr>
+            <a:r>
+              <a:rPr lang="en-US" dirty="0" smtClean="0"/>
+              <a:t>Full list of commands:</a:t>
+            </a:r>
+          </a:p>
+          <a:p>
+            <a:pPr marL="0" indent="0">
+              <a:buNone/>
+            </a:pPr>
+            <a:r>
+              <a:rPr lang="en-US" dirty="0">
+                <a:hlinkClick r:id="rId3"/>
+              </a:rPr>
+              <a:t>https://en.wikipedia.org/wiki/</a:t>
+            </a:r>
+            <a:r>
+              <a:rPr lang="en-US" dirty="0" smtClean="0">
+                <a:hlinkClick r:id="rId3"/>
+              </a:rPr>
+              <a:t>List_of_Unix_commands</a:t>
+            </a:r>
+            <a:endParaRPr lang="en-US" dirty="0" smtClean="0"/>
+          </a:p>
+          <a:p>
+            <a:pPr marL="0" indent="0">
+              <a:buNone/>
+            </a:pPr>
+            <a:endParaRPr lang="en-US" dirty="0" smtClean="0"/>
+          </a:p>
+          <a:p>
+            <a:pPr marL="0" indent="0">
+              <a:buNone/>
+            </a:pPr>
+            <a:r>
+              <a:rPr lang="en-US" dirty="0" smtClean="0"/>
+              <a:t>Practice with Bash Scripting:</a:t>
+            </a:r>
+          </a:p>
+          <a:p>
+            <a:pPr marL="0" indent="0">
+              <a:buNone/>
+            </a:pPr>
+            <a:r>
+              <a:rPr lang="en-US" dirty="0">
+                <a:hlinkClick r:id="rId4"/>
+              </a:rPr>
+              <a:t>http://parallel.vub.ac.be/documentation/linux/unixdoc_download/exercises/</a:t>
+            </a:r>
+            <a:r>
+              <a:rPr lang="en-US" dirty="0" smtClean="0">
+                <a:hlinkClick r:id="rId4"/>
+              </a:rPr>
+              <a:t>Scripts.Ex.html</a:t>
+            </a:r>
+            <a:endParaRPr lang="en-US" dirty="0" smtClean="0"/>
+          </a:p>
+          <a:p>
+            <a:pPr marL="0" indent="0">
+              <a:buNone/>
+            </a:pPr>
+            <a:endParaRPr lang="en-US" dirty="0"/>
+          </a:p>
+          <a:p>
+            <a:pPr marL="0" indent="0">
+              <a:buNone/>
+            </a:pPr>
+            <a:endParaRPr lang="en-US" dirty="0"/>
+          </a:p>
+        </p:txBody>
+      </p:sp>
+    </p:spTree>
+    <p:extLst>
+      <p:ext uri="{BB962C8B-B14F-4D97-AF65-F5344CB8AC3E}">
+        <p14:creationId xmlns:p14="http://schemas.microsoft.com/office/powerpoint/2010/main" val="1896653286"/>
       </p:ext>
     </p:extLst>
   </p:cSld>

--- a/talks/unix.pptx
+++ b/talks/unix.pptx
@@ -6864,13 +6864,14 @@
           <a:p>
             <a:r>
               <a:rPr lang="en-US" dirty="0" smtClean="0"/>
-              <a:t>Figure out where it downloaded to</a:t>
-            </a:r>
-          </a:p>
-          <a:p>
-            <a:r>
-              <a:rPr lang="en-US" dirty="0" smtClean="0"/>
-              <a:t>Move the shell to the </a:t>
+              <a:t>Find it, probably in temp</a:t>
+            </a:r>
+            <a:endParaRPr lang="en-US" dirty="0" smtClean="0"/>
+          </a:p>
+          <a:p>
+            <a:r>
+              <a:rPr lang="en-US" dirty="0" smtClean="0"/>
+              <a:t>Move the </a:t>
             </a:r>
             <a:r>
               <a:rPr lang="en-US" dirty="0" err="1" smtClean="0"/>
@@ -6878,26 +6879,9 @@
             </a:r>
             <a:r>
               <a:rPr lang="en-US" dirty="0" smtClean="0"/>
-              <a:t> folder in the class files</a:t>
-            </a:r>
-          </a:p>
-          <a:p>
-            <a:r>
-              <a:rPr lang="en-US" dirty="0" smtClean="0"/>
-              <a:t>Move directly to the folder in one </a:t>
-            </a:r>
-            <a:r>
-              <a:rPr lang="en-US" dirty="0" smtClean="0">
-                <a:latin typeface="Century"/>
-                <a:cs typeface="Century"/>
-              </a:rPr>
-              <a:t>`cd`</a:t>
-            </a:r>
-            <a:r>
-              <a:rPr lang="en-US" dirty="0" smtClean="0"/>
-              <a:t> command</a:t>
-            </a:r>
-            <a:endParaRPr lang="en-US" dirty="0"/>
+              <a:t> folder to C:/Ocaml64/home/&lt;username&gt;/</a:t>
+            </a:r>
+            <a:endParaRPr lang="en-US" dirty="0" smtClean="0"/>
           </a:p>
         </p:txBody>
       </p:sp>
